--- a/Lecture_7_Lambda/Lambda.pptx
+++ b/Lecture_7_Lambda/Lambda.pptx
@@ -224,7 +224,7 @@
           <a:p>
             <a:fld id="{07D895DB-E61D-4CE9-9710-80DFE93F382F}" type="datetimeFigureOut">
               <a:rPr lang="en-US" smtClean="0"/>
-              <a:t>10/16/2019</a:t>
+              <a:t>10/17/2019</a:t>
             </a:fld>
             <a:endParaRPr lang="en-US"/>
           </a:p>
@@ -2992,7 +2992,7 @@
           <a:p>
             <a:fld id="{27B8273F-2766-4200-80E4-DA0439332E4F}" type="datetimeFigureOut">
               <a:rPr lang="en-US" smtClean="0"/>
-              <a:t>10/16/2019</a:t>
+              <a:t>10/17/2019</a:t>
             </a:fld>
             <a:endParaRPr lang="en-US"/>
           </a:p>
@@ -3243,7 +3243,7 @@
           <a:p>
             <a:fld id="{27B8273F-2766-4200-80E4-DA0439332E4F}" type="datetimeFigureOut">
               <a:rPr lang="en-US" smtClean="0"/>
-              <a:t>10/16/2019</a:t>
+              <a:t>10/17/2019</a:t>
             </a:fld>
             <a:endParaRPr lang="en-US"/>
           </a:p>
@@ -3557,7 +3557,7 @@
           <a:p>
             <a:fld id="{27B8273F-2766-4200-80E4-DA0439332E4F}" type="datetimeFigureOut">
               <a:rPr lang="en-US" smtClean="0"/>
-              <a:t>10/16/2019</a:t>
+              <a:t>10/17/2019</a:t>
             </a:fld>
             <a:endParaRPr lang="en-US"/>
           </a:p>
@@ -3898,7 +3898,7 @@
           <a:p>
             <a:fld id="{27B8273F-2766-4200-80E4-DA0439332E4F}" type="datetimeFigureOut">
               <a:rPr lang="en-US" smtClean="0"/>
-              <a:t>10/16/2019</a:t>
+              <a:t>10/17/2019</a:t>
             </a:fld>
             <a:endParaRPr lang="en-US"/>
           </a:p>
@@ -4212,7 +4212,7 @@
           <a:p>
             <a:fld id="{27B8273F-2766-4200-80E4-DA0439332E4F}" type="datetimeFigureOut">
               <a:rPr lang="en-US" smtClean="0"/>
-              <a:t>10/16/2019</a:t>
+              <a:t>10/17/2019</a:t>
             </a:fld>
             <a:endParaRPr lang="en-US"/>
           </a:p>
@@ -4605,7 +4605,7 @@
           <a:p>
             <a:fld id="{27B8273F-2766-4200-80E4-DA0439332E4F}" type="datetimeFigureOut">
               <a:rPr lang="en-US" smtClean="0"/>
-              <a:t>10/16/2019</a:t>
+              <a:t>10/17/2019</a:t>
             </a:fld>
             <a:endParaRPr lang="en-US"/>
           </a:p>
@@ -4775,7 +4775,7 @@
           <a:p>
             <a:fld id="{27B8273F-2766-4200-80E4-DA0439332E4F}" type="datetimeFigureOut">
               <a:rPr lang="en-US" smtClean="0"/>
-              <a:t>10/16/2019</a:t>
+              <a:t>10/17/2019</a:t>
             </a:fld>
             <a:endParaRPr lang="en-US"/>
           </a:p>
@@ -4955,7 +4955,7 @@
           <a:p>
             <a:fld id="{27B8273F-2766-4200-80E4-DA0439332E4F}" type="datetimeFigureOut">
               <a:rPr lang="en-US" smtClean="0"/>
-              <a:t>10/16/2019</a:t>
+              <a:t>10/17/2019</a:t>
             </a:fld>
             <a:endParaRPr lang="en-US"/>
           </a:p>
@@ -5131,7 +5131,7 @@
           <a:p>
             <a:fld id="{27B8273F-2766-4200-80E4-DA0439332E4F}" type="datetimeFigureOut">
               <a:rPr lang="en-US" smtClean="0"/>
-              <a:t>10/16/2019</a:t>
+              <a:t>10/17/2019</a:t>
             </a:fld>
             <a:endParaRPr lang="en-US"/>
           </a:p>
@@ -5378,7 +5378,7 @@
           <a:p>
             <a:fld id="{27B8273F-2766-4200-80E4-DA0439332E4F}" type="datetimeFigureOut">
               <a:rPr lang="en-US" smtClean="0"/>
-              <a:t>10/16/2019</a:t>
+              <a:t>10/17/2019</a:t>
             </a:fld>
             <a:endParaRPr lang="en-US"/>
           </a:p>
@@ -5610,7 +5610,7 @@
           <a:p>
             <a:fld id="{27B8273F-2766-4200-80E4-DA0439332E4F}" type="datetimeFigureOut">
               <a:rPr lang="en-US" smtClean="0"/>
-              <a:t>10/16/2019</a:t>
+              <a:t>10/17/2019</a:t>
             </a:fld>
             <a:endParaRPr lang="en-US"/>
           </a:p>
@@ -5984,7 +5984,7 @@
           <a:p>
             <a:fld id="{27B8273F-2766-4200-80E4-DA0439332E4F}" type="datetimeFigureOut">
               <a:rPr lang="en-US" smtClean="0"/>
-              <a:t>10/16/2019</a:t>
+              <a:t>10/17/2019</a:t>
             </a:fld>
             <a:endParaRPr lang="en-US"/>
           </a:p>
@@ -6107,7 +6107,7 @@
           <a:p>
             <a:fld id="{27B8273F-2766-4200-80E4-DA0439332E4F}" type="datetimeFigureOut">
               <a:rPr lang="en-US" smtClean="0"/>
-              <a:t>10/16/2019</a:t>
+              <a:t>10/17/2019</a:t>
             </a:fld>
             <a:endParaRPr lang="en-US"/>
           </a:p>
@@ -6202,7 +6202,7 @@
           <a:p>
             <a:fld id="{27B8273F-2766-4200-80E4-DA0439332E4F}" type="datetimeFigureOut">
               <a:rPr lang="en-US" smtClean="0"/>
-              <a:t>10/16/2019</a:t>
+              <a:t>10/17/2019</a:t>
             </a:fld>
             <a:endParaRPr lang="en-US"/>
           </a:p>
@@ -6457,7 +6457,7 @@
           <a:p>
             <a:fld id="{27B8273F-2766-4200-80E4-DA0439332E4F}" type="datetimeFigureOut">
               <a:rPr lang="en-US" smtClean="0"/>
-              <a:t>10/16/2019</a:t>
+              <a:t>10/17/2019</a:t>
             </a:fld>
             <a:endParaRPr lang="en-US"/>
           </a:p>
@@ -6720,7 +6720,7 @@
           <a:p>
             <a:fld id="{27B8273F-2766-4200-80E4-DA0439332E4F}" type="datetimeFigureOut">
               <a:rPr lang="en-US" smtClean="0"/>
-              <a:t>10/16/2019</a:t>
+              <a:t>10/17/2019</a:t>
             </a:fld>
             <a:endParaRPr lang="en-US"/>
           </a:p>
@@ -7463,7 +7463,7 @@
           <a:p>
             <a:fld id="{27B8273F-2766-4200-80E4-DA0439332E4F}" type="datetimeFigureOut">
               <a:rPr lang="en-US" smtClean="0"/>
-              <a:t>10/16/2019</a:t>
+              <a:t>10/17/2019</a:t>
             </a:fld>
             <a:endParaRPr lang="en-US"/>
           </a:p>
@@ -8013,7 +8013,7 @@
         </p:nvSpPr>
         <p:spPr>
           <a:xfrm>
-            <a:off x="668867" y="1678666"/>
+            <a:off x="444970" y="314700"/>
             <a:ext cx="4088190" cy="2369093"/>
           </a:xfrm>
         </p:spPr>
@@ -8023,21 +8023,14 @@
           </a:bodyPr>
           <a:lstStyle/>
           <a:p>
-            <a:r>
-              <a:rPr lang="en-US" sz="2400" dirty="0"/>
-              <a:t>Docker</a:t>
-            </a:r>
             <a:br>
-              <a:rPr lang="en-US" sz="4800" dirty="0"/>
+              <a:rPr lang="en-US" dirty="0"/>
             </a:br>
             <a:r>
-              <a:rPr lang="en-US" sz="3600" dirty="0"/>
+              <a:rPr lang="en-US" sz="4000" dirty="0"/>
               <a:t>Lambda</a:t>
             </a:r>
-            <a:r>
-              <a:rPr lang="en-US" sz="4800" dirty="0"/>
-              <a:t> Troposphere</a:t>
-            </a:r>
+            <a:endParaRPr lang="en-US" dirty="0"/>
           </a:p>
         </p:txBody>
       </p:sp>
@@ -8715,10 +8708,10 @@
       </p:sp>
       <p:pic>
         <p:nvPicPr>
-          <p:cNvPr id="5" name="Picture 4">
+          <p:cNvPr id="6" name="Picture 5">
             <a:extLst>
               <a:ext uri="{FF2B5EF4-FFF2-40B4-BE49-F238E27FC236}">
-                <a16:creationId xmlns:a16="http://schemas.microsoft.com/office/drawing/2014/main" id="{EE071AA2-1D32-4F9B-B4C6-369844F5F382}"/>
+                <a16:creationId xmlns:a16="http://schemas.microsoft.com/office/drawing/2014/main" id="{B668CE6A-F7B9-40E8-8CFD-CE7BDFF2D434}"/>
               </a:ext>
             </a:extLst>
           </p:cNvPr>
@@ -8735,98 +8728,8 @@
         </p:blipFill>
         <p:spPr>
           <a:xfrm>
-            <a:off x="3065082" y="4257233"/>
-            <a:ext cx="2936157" cy="1731175"/>
-          </a:xfrm>
-          <a:prstGeom prst="rect">
-            <a:avLst/>
-          </a:prstGeom>
-        </p:spPr>
-      </p:pic>
-      <p:pic>
-        <p:nvPicPr>
-          <p:cNvPr id="6" name="Picture 5">
-            <a:extLst>
-              <a:ext uri="{FF2B5EF4-FFF2-40B4-BE49-F238E27FC236}">
-                <a16:creationId xmlns:a16="http://schemas.microsoft.com/office/drawing/2014/main" id="{B668CE6A-F7B9-40E8-8CFD-CE7BDFF2D434}"/>
-              </a:ext>
-            </a:extLst>
-          </p:cNvPr>
-          <p:cNvPicPr>
-            <a:picLocks noChangeAspect="1"/>
-          </p:cNvPicPr>
-          <p:nvPr/>
-        </p:nvPicPr>
-        <p:blipFill>
-          <a:blip r:embed="rId4"/>
-          <a:stretch>
-            <a:fillRect/>
-          </a:stretch>
-        </p:blipFill>
-        <p:spPr>
-          <a:xfrm>
-            <a:off x="6912327" y="4459457"/>
+            <a:off x="1207096" y="1669365"/>
             <a:ext cx="1025877" cy="1528951"/>
-          </a:xfrm>
-          <a:prstGeom prst="rect">
-            <a:avLst/>
-          </a:prstGeom>
-        </p:spPr>
-      </p:pic>
-      <p:pic>
-        <p:nvPicPr>
-          <p:cNvPr id="7" name="Picture 6">
-            <a:extLst>
-              <a:ext uri="{FF2B5EF4-FFF2-40B4-BE49-F238E27FC236}">
-                <a16:creationId xmlns:a16="http://schemas.microsoft.com/office/drawing/2014/main" id="{865838A6-BCDF-49DC-A71D-16AC54357580}"/>
-              </a:ext>
-            </a:extLst>
-          </p:cNvPr>
-          <p:cNvPicPr>
-            <a:picLocks noChangeAspect="1"/>
-          </p:cNvPicPr>
-          <p:nvPr/>
-        </p:nvPicPr>
-        <p:blipFill>
-          <a:blip r:embed="rId5"/>
-          <a:stretch>
-            <a:fillRect/>
-          </a:stretch>
-        </p:blipFill>
-        <p:spPr>
-          <a:xfrm>
-            <a:off x="5882685" y="1973187"/>
-            <a:ext cx="3164320" cy="1616680"/>
-          </a:xfrm>
-          <a:prstGeom prst="rect">
-            <a:avLst/>
-          </a:prstGeom>
-        </p:spPr>
-      </p:pic>
-      <p:pic>
-        <p:nvPicPr>
-          <p:cNvPr id="8" name="Picture 7">
-            <a:extLst>
-              <a:ext uri="{FF2B5EF4-FFF2-40B4-BE49-F238E27FC236}">
-                <a16:creationId xmlns:a16="http://schemas.microsoft.com/office/drawing/2014/main" id="{C3469A95-B25D-4658-98FE-261C952D8531}"/>
-              </a:ext>
-            </a:extLst>
-          </p:cNvPr>
-          <p:cNvPicPr>
-            <a:picLocks noChangeAspect="1"/>
-          </p:cNvPicPr>
-          <p:nvPr/>
-        </p:nvPicPr>
-        <p:blipFill>
-          <a:blip r:embed="rId6"/>
-          <a:stretch>
-            <a:fillRect/>
-          </a:stretch>
-        </p:blipFill>
-        <p:spPr>
-          <a:xfrm>
-            <a:off x="5837293" y="713070"/>
-            <a:ext cx="2886075" cy="781050"/>
           </a:xfrm>
           <a:prstGeom prst="rect">
             <a:avLst/>
@@ -8937,20 +8840,11 @@
             </a:pPr>
             <a:r>
               <a:rPr lang="en-US" dirty="0"/>
-              <a:t>	- </a:t>
+              <a:t>	</a:t>
             </a:r>
             <a:r>
               <a:rPr lang="en-US" sz="1200" dirty="0"/>
-              <a:t>External Tomcat</a:t>
-            </a:r>
-          </a:p>
-          <a:p>
-            <a:pPr marL="0" indent="0">
-              <a:buNone/>
-            </a:pPr>
-            <a:r>
-              <a:rPr lang="en-US" sz="1200" dirty="0"/>
-              <a:t>	-  Embedded Tomcat</a:t>
+              <a:t>-  Embedded Tomcat</a:t>
             </a:r>
           </a:p>
           <a:p>
@@ -8962,13 +8856,31 @@
           <a:p>
             <a:r>
               <a:rPr lang="en-US" dirty="0"/>
-              <a:t>Alexa AI Service (Voice Assistant)</a:t>
+              <a:t>Triggers</a:t>
             </a:r>
           </a:p>
           <a:p>
             <a:r>
               <a:rPr lang="en-US" dirty="0"/>
-              <a:t>Troposphere</a:t>
+              <a:t>Events</a:t>
+            </a:r>
+          </a:p>
+          <a:p>
+            <a:r>
+              <a:rPr lang="en-US" dirty="0"/>
+              <a:t>CloudWatch</a:t>
+            </a:r>
+          </a:p>
+          <a:p>
+            <a:r>
+              <a:rPr lang="en-US" dirty="0"/>
+              <a:t>Amazon API</a:t>
+            </a:r>
+          </a:p>
+          <a:p>
+            <a:r>
+              <a:rPr lang="en-US" dirty="0"/>
+              <a:t>SES</a:t>
             </a:r>
           </a:p>
           <a:p>
@@ -9246,6 +9158,36 @@
               </a14:hiddenFill>
             </a:ext>
           </a:extLst>
+        </p:spPr>
+      </p:pic>
+      <p:pic>
+        <p:nvPicPr>
+          <p:cNvPr id="2" name="Picture 1">
+            <a:extLst>
+              <a:ext uri="{FF2B5EF4-FFF2-40B4-BE49-F238E27FC236}">
+                <a16:creationId xmlns:a16="http://schemas.microsoft.com/office/drawing/2014/main" id="{462EADEF-BEA0-4240-882A-1E1876800CA6}"/>
+              </a:ext>
+            </a:extLst>
+          </p:cNvPr>
+          <p:cNvPicPr>
+            <a:picLocks noChangeAspect="1"/>
+          </p:cNvPicPr>
+          <p:nvPr/>
+        </p:nvPicPr>
+        <p:blipFill>
+          <a:blip r:embed="rId9"/>
+          <a:stretch>
+            <a:fillRect/>
+          </a:stretch>
+        </p:blipFill>
+        <p:spPr>
+          <a:xfrm>
+            <a:off x="5053247" y="1124949"/>
+            <a:ext cx="1114425" cy="466725"/>
+          </a:xfrm>
+          <a:prstGeom prst="rect">
+            <a:avLst/>
+          </a:prstGeom>
         </p:spPr>
       </p:pic>
     </p:spTree>
